--- a/out/Облачныетехнологииисервисы.pptx
+++ b/out/Облачныетехнологииисервисы.pptx
@@ -3243,7 +3243,7 @@
         <p:spPr>
           <a:xfrm>
             <a:off x="8910320" y="1219200"/>
-            <a:ext cx="6883400" cy="3949700"/>
+            <a:ext cx="6883400" cy="5156200"/>
           </a:xfrm>
           <a:prstGeom prst="rect">
             <a:avLst/>
@@ -3480,7 +3480,7 @@
         <p:spPr>
           <a:xfrm>
             <a:off x="8910320" y="1219200"/>
-            <a:ext cx="5600700" cy="7467600"/>
+            <a:ext cx="6883400" cy="3873500"/>
           </a:xfrm>
           <a:prstGeom prst="rect">
             <a:avLst/>
@@ -3717,7 +3717,7 @@
         <p:spPr>
           <a:xfrm>
             <a:off x="8910320" y="1219200"/>
-            <a:ext cx="6883400" cy="4127500"/>
+            <a:ext cx="6883400" cy="5156200"/>
           </a:xfrm>
           <a:prstGeom prst="rect">
             <a:avLst/>
@@ -3954,7 +3954,7 @@
         <p:spPr>
           <a:xfrm>
             <a:off x="8910320" y="1219200"/>
-            <a:ext cx="6883400" cy="3848100"/>
+            <a:ext cx="6883400" cy="3949700"/>
           </a:xfrm>
           <a:prstGeom prst="rect">
             <a:avLst/>
@@ -4191,7 +4191,7 @@
         <p:spPr>
           <a:xfrm>
             <a:off x="8910320" y="1219200"/>
-            <a:ext cx="6883400" cy="3327400"/>
+            <a:ext cx="5600700" cy="7467600"/>
           </a:xfrm>
           <a:prstGeom prst="rect">
             <a:avLst/>
@@ -4428,7 +4428,7 @@
         <p:spPr>
           <a:xfrm>
             <a:off x="8910320" y="1219200"/>
-            <a:ext cx="6883400" cy="3949700"/>
+            <a:ext cx="6883400" cy="5156200"/>
           </a:xfrm>
           <a:prstGeom prst="rect">
             <a:avLst/>
@@ -4665,7 +4665,7 @@
         <p:spPr>
           <a:xfrm>
             <a:off x="8910320" y="1219200"/>
-            <a:ext cx="6883400" cy="4876800"/>
+            <a:ext cx="6883400" cy="2857500"/>
           </a:xfrm>
           <a:prstGeom prst="rect">
             <a:avLst/>
@@ -4902,7 +4902,7 @@
         <p:spPr>
           <a:xfrm>
             <a:off x="8910320" y="1219200"/>
-            <a:ext cx="6883400" cy="2857500"/>
+            <a:ext cx="6883400" cy="4584700"/>
           </a:xfrm>
           <a:prstGeom prst="rect">
             <a:avLst/>
@@ -5139,7 +5139,7 @@
         <p:spPr>
           <a:xfrm>
             <a:off x="8910320" y="1219200"/>
-            <a:ext cx="6883400" cy="5156200"/>
+            <a:ext cx="6883400" cy="3225800"/>
           </a:xfrm>
           <a:prstGeom prst="rect">
             <a:avLst/>
@@ -5376,7 +5376,7 @@
         <p:spPr>
           <a:xfrm>
             <a:off x="8910320" y="1219200"/>
-            <a:ext cx="6883400" cy="5156200"/>
+            <a:ext cx="6883400" cy="4127500"/>
           </a:xfrm>
           <a:prstGeom prst="rect">
             <a:avLst/>
@@ -5613,7 +5613,7 @@
         <p:spPr>
           <a:xfrm>
             <a:off x="8910320" y="1219200"/>
-            <a:ext cx="6883400" cy="4584700"/>
+            <a:ext cx="6883400" cy="4876800"/>
           </a:xfrm>
           <a:prstGeom prst="rect">
             <a:avLst/>
@@ -5850,7 +5850,7 @@
         <p:spPr>
           <a:xfrm>
             <a:off x="8910320" y="1219200"/>
-            <a:ext cx="6883400" cy="4876800"/>
+            <a:ext cx="6883400" cy="2857500"/>
           </a:xfrm>
           <a:prstGeom prst="rect">
             <a:avLst/>
@@ -6087,7 +6087,7 @@
         <p:spPr>
           <a:xfrm>
             <a:off x="8910320" y="1219200"/>
-            <a:ext cx="6883400" cy="3873500"/>
+            <a:ext cx="6883400" cy="4584700"/>
           </a:xfrm>
           <a:prstGeom prst="rect">
             <a:avLst/>
@@ -6611,7 +6611,7 @@
         <p:spPr>
           <a:xfrm>
             <a:off x="8910320" y="1219200"/>
-            <a:ext cx="6883400" cy="2857500"/>
+            <a:ext cx="6883400" cy="4584700"/>
           </a:xfrm>
           <a:prstGeom prst="rect">
             <a:avLst/>
@@ -6848,7 +6848,7 @@
         <p:spPr>
           <a:xfrm>
             <a:off x="8910320" y="1219200"/>
-            <a:ext cx="6883400" cy="5156200"/>
+            <a:ext cx="6883400" cy="3225800"/>
           </a:xfrm>
           <a:prstGeom prst="rect">
             <a:avLst/>
@@ -7085,7 +7085,7 @@
         <p:spPr>
           <a:xfrm>
             <a:off x="8910320" y="1219200"/>
-            <a:ext cx="6883400" cy="5156200"/>
+            <a:ext cx="6883400" cy="4127500"/>
           </a:xfrm>
           <a:prstGeom prst="rect">
             <a:avLst/>
@@ -7322,7 +7322,7 @@
         <p:spPr>
           <a:xfrm>
             <a:off x="8910320" y="1219200"/>
-            <a:ext cx="6883400" cy="4584700"/>
+            <a:ext cx="6883400" cy="4876800"/>
           </a:xfrm>
           <a:prstGeom prst="rect">
             <a:avLst/>
@@ -7559,7 +7559,7 @@
         <p:spPr>
           <a:xfrm>
             <a:off x="8910320" y="1219200"/>
-            <a:ext cx="6883400" cy="3873500"/>
+            <a:ext cx="6883400" cy="4584700"/>
           </a:xfrm>
           <a:prstGeom prst="rect">
             <a:avLst/>
@@ -7796,7 +7796,7 @@
         <p:spPr>
           <a:xfrm>
             <a:off x="8910320" y="1219200"/>
-            <a:ext cx="6883400" cy="3225800"/>
+            <a:ext cx="6883400" cy="3327400"/>
           </a:xfrm>
           <a:prstGeom prst="rect">
             <a:avLst/>
@@ -8033,7 +8033,7 @@
         <p:spPr>
           <a:xfrm>
             <a:off x="8910320" y="1219200"/>
-            <a:ext cx="6883400" cy="4584700"/>
+            <a:ext cx="6883400" cy="3848100"/>
           </a:xfrm>
           <a:prstGeom prst="rect">
             <a:avLst/>
